--- a/Documents/Présentation - OC - Projet n°5.pptx
+++ b/Documents/Présentation - OC - Projet n°5.pptx
@@ -3562,7 +3562,7 @@
         <p:spPr>
           <a:xfrm>
             <a:off x="251670" y="1997839"/>
-            <a:ext cx="10821798" cy="2862322"/>
+            <a:ext cx="10821798" cy="1200329"/>
           </a:xfrm>
           <a:prstGeom prst="rect">
             <a:avLst/>
@@ -3576,18 +3576,34 @@
           <a:lstStyle/>
           <a:p>
             <a:r>
+              <a:rPr lang="fr-FR" dirty="0" smtClean="0"/>
+              <a:t>Pour ce projet 5, j’ai essayé de débuter de mettre en place les différentes remarques qui m’ont été faites </a:t>
+            </a:r>
+            <a:r>
+              <a:rPr lang="fr-FR" dirty="0" smtClean="0"/>
+              <a:t>lors du projet 3. </a:t>
+            </a:r>
+            <a:r>
+              <a:rPr lang="fr-FR" dirty="0" smtClean="0"/>
+              <a:t>La logique était de se tourner tout de suite vers </a:t>
+            </a:r>
+            <a:r>
               <a:rPr lang="fr-FR" dirty="0"/>
-              <a:t>Lors de la mise en place du projet, la logique utilisée fut celle apprise en autodidacte lors de mes quelques années en tant que développeur pour mon employeur. Cela m’a confronté aux limites de mon apprentissage en autodidacte. </a:t>
-            </a:r>
-          </a:p>
-          <a:p>
+              <a:t>u</a:t>
+            </a:r>
+            <a:r>
+              <a:rPr lang="fr-FR" dirty="0" smtClean="0"/>
+              <a:t>ne programmation résolument orienté objet, scinder le projet en grand thème et faire </a:t>
+            </a:r>
+            <a:r>
+              <a:rPr lang="fr-FR" dirty="0" err="1" smtClean="0"/>
+              <a:t>émmerger</a:t>
+            </a:r>
+            <a:r>
+              <a:rPr lang="fr-FR" smtClean="0"/>
+              <a:t>  </a:t>
+            </a:r>
             <a:endParaRPr lang="fr-FR" dirty="0"/>
-          </a:p>
-          <a:p>
-            <a:r>
-              <a:rPr lang="fr-FR" dirty="0"/>
-              <a:t>Une mauvaise utilisation des modules et des classes entraînent des répercussions que je n’avais pas mis en évidence, devant bien souvent résoudre un souci identifié sans devoir concevoir d’évolution sur le temps. Cette utilisation rudimentaire de python me faisait passer à coté d’une grande simplification de la conception d’un programme et surtout l’apprentissage d’une programmation orientée objet qui me permet de prendre en compte l’évolution de l’amélioration continue d’un programme.</a:t>
-            </a:r>
           </a:p>
           <a:p>
             <a:r>
@@ -6825,7 +6841,7 @@
         <p:spPr>
           <a:xfrm>
             <a:off x="341832" y="1505396"/>
-            <a:ext cx="4999290" cy="646331"/>
+            <a:ext cx="4999290" cy="2862322"/>
           </a:xfrm>
           <a:prstGeom prst="rect">
             <a:avLst/>
@@ -6852,6 +6868,21 @@
             </a:r>
           </a:p>
           <a:p>
+            <a:endParaRPr lang="fr-FR" dirty="0" smtClean="0"/>
+          </a:p>
+          <a:p>
+            <a:r>
+              <a:rPr lang="fr-FR" dirty="0" smtClean="0"/>
+              <a:t>Le constructeur est appelé pour créer l’objet connexion, lors de son initialisation la connexion avec la base de donnée est vérifié puis les informations de connexion sont listé. A chaque fois qu’une requête SQL doit être utilisé l’objet est interpellé. Une fonction permet d’interpellé le script </a:t>
+            </a:r>
+            <a:r>
+              <a:rPr lang="fr-FR" dirty="0" err="1" smtClean="0"/>
+              <a:t>sql</a:t>
+            </a:r>
+            <a:r>
+              <a:rPr lang="fr-FR" dirty="0" smtClean="0"/>
+              <a:t> pour générer l’architecture de la base de donnée.</a:t>
+            </a:r>
             <a:endParaRPr lang="fr-FR" dirty="0" smtClean="0"/>
           </a:p>
         </p:txBody>
@@ -6911,7 +6942,7 @@
         <p:spPr>
           <a:xfrm>
             <a:off x="5939327" y="1505396"/>
-            <a:ext cx="5212936" cy="646331"/>
+            <a:ext cx="5212936" cy="2308324"/>
           </a:xfrm>
           <a:prstGeom prst="rect">
             <a:avLst/>
@@ -6946,6 +6977,19 @@
             </a:r>
           </a:p>
           <a:p>
+            <a:endParaRPr lang="fr-FR" dirty="0" smtClean="0"/>
+          </a:p>
+          <a:p>
+            <a:r>
+              <a:rPr lang="fr-FR" dirty="0" smtClean="0"/>
+              <a:t>Ce fichier contient la class main, lancé pour exécuter les différents modules du programme.</a:t>
+            </a:r>
+          </a:p>
+          <a:p>
+            <a:r>
+              <a:rPr lang="fr-FR" dirty="0" smtClean="0"/>
+              <a:t>Une boucle relance l’information de départ tant que l’utilisateur n’a pas sélectionné « quitter ». Le programme se clos quand un soucis est remonté et se termine en montrant l’erreur.</a:t>
+            </a:r>
             <a:endParaRPr lang="fr-FR" dirty="0" smtClean="0"/>
           </a:p>
         </p:txBody>
@@ -7151,16 +7195,21 @@
           <a:p>
             <a:r>
               <a:rPr lang="fr-FR" dirty="0"/>
-              <a:t>	Création d’une procédure d’installation de python 3, de </a:t>
-            </a:r>
-            <a:r>
-              <a:rPr lang="fr-FR" dirty="0" err="1"/>
-              <a:t>pygame</a:t>
-            </a:r>
-            <a:r>
-              <a:rPr lang="fr-FR" dirty="0"/>
-              <a:t> et de Git. </a:t>
-            </a:r>
+              <a:t>	Création d’une procédure d’installation de python 3, </a:t>
+            </a:r>
+            <a:r>
+              <a:rPr lang="fr-FR" dirty="0" smtClean="0"/>
+              <a:t>de Git, de </a:t>
+            </a:r>
+            <a:r>
+              <a:rPr lang="fr-FR" dirty="0" err="1" smtClean="0"/>
+              <a:t>Mysql</a:t>
+            </a:r>
+            <a:r>
+              <a:rPr lang="fr-FR" dirty="0" smtClean="0"/>
+              <a:t> </a:t>
+            </a:r>
+            <a:endParaRPr lang="fr-FR" dirty="0"/>
           </a:p>
           <a:p>
             <a:r>

--- a/Documents/Présentation - OC - Projet n°5.pptx
+++ b/Documents/Présentation - OC - Projet n°5.pptx
@@ -3337,13 +3337,7 @@
       </p:grpSpPr>
       <p:pic>
         <p:nvPicPr>
-          <p:cNvPr id="7" name="Image 6">
-            <a:extLst>
-              <a:ext uri="{FF2B5EF4-FFF2-40B4-BE49-F238E27FC236}">
-                <a16:creationId xmlns:a16="http://schemas.microsoft.com/office/drawing/2014/main" xmlns="" id="{AEE43710-B914-453D-A9DA-1F27E8FFC84E}"/>
-              </a:ext>
-            </a:extLst>
-          </p:cNvPr>
+          <p:cNvPr id="2" name="Image 1"/>
           <p:cNvPicPr>
             <a:picLocks noChangeAspect="1"/>
           </p:cNvPicPr>
@@ -3477,13 +3471,7 @@
       </p:grpSpPr>
       <p:pic>
         <p:nvPicPr>
-          <p:cNvPr id="5" name="Image 4">
-            <a:extLst>
-              <a:ext uri="{FF2B5EF4-FFF2-40B4-BE49-F238E27FC236}">
-                <a16:creationId xmlns:a16="http://schemas.microsoft.com/office/drawing/2014/main" xmlns="" id="{56AD06A0-E58D-4099-9E9B-08056BEE4A21}"/>
-              </a:ext>
-            </a:extLst>
-          </p:cNvPr>
+          <p:cNvPr id="2" name="Image 1"/>
           <p:cNvPicPr>
             <a:picLocks noChangeAspect="1"/>
           </p:cNvPicPr>
@@ -3562,7 +3550,7 @@
         <p:spPr>
           <a:xfrm>
             <a:off x="251670" y="1997839"/>
-            <a:ext cx="10821798" cy="1200329"/>
+            <a:ext cx="10821798" cy="3416320"/>
           </a:xfrm>
           <a:prstGeom prst="rect">
             <a:avLst/>
@@ -3577,7 +3565,7 @@
           <a:p>
             <a:r>
               <a:rPr lang="fr-FR" dirty="0" smtClean="0"/>
-              <a:t>Pour ce projet 5, j’ai essayé de débuter de mettre en place les différentes remarques qui m’ont été faites </a:t>
+              <a:t>Pour ce projet 5, j’ai essayé de débuter en mettant en place les différentes remarques qui m’avaient été faites </a:t>
             </a:r>
             <a:r>
               <a:rPr lang="fr-FR" dirty="0" smtClean="0"/>
@@ -3593,15 +3581,25 @@
             </a:r>
             <a:r>
               <a:rPr lang="fr-FR" dirty="0" smtClean="0"/>
-              <a:t>ne programmation résolument orienté objet, scinder le projet en grand thème et faire </a:t>
-            </a:r>
-            <a:r>
-              <a:rPr lang="fr-FR" dirty="0" err="1" smtClean="0"/>
-              <a:t>émmerger</a:t>
-            </a:r>
-            <a:r>
-              <a:rPr lang="fr-FR" smtClean="0"/>
-              <a:t>  </a:t>
+              <a:t>ne programmation résolument orientée objet, scinder le projet en grand thème et faire émerger des classes, des constructeurs et des objets. </a:t>
+            </a:r>
+          </a:p>
+          <a:p>
+            <a:endParaRPr lang="fr-FR" dirty="0"/>
+          </a:p>
+          <a:p>
+            <a:r>
+              <a:rPr lang="fr-FR" dirty="0" smtClean="0"/>
+              <a:t>La construction d’une base de données m’a permis de me familiariser avec les outils de création  des modèles relationnels. Cela m’a permis d’appréhender la structure et les questions à se poser en amont avant toute construction de projet.</a:t>
+            </a:r>
+          </a:p>
+          <a:p>
+            <a:endParaRPr lang="fr-FR" dirty="0"/>
+          </a:p>
+          <a:p>
+            <a:r>
+              <a:rPr lang="fr-FR" dirty="0" smtClean="0"/>
+              <a:t>De plus, se familiariser avec des outils de gestion de projet agile m’a permis de me poser les questions sur comment je travaillais et désirais travailler et comment le compiler dans un outil de suivi permettant de structurer au mieux le projet. </a:t>
             </a:r>
             <a:endParaRPr lang="fr-FR" dirty="0"/>
           </a:p>
@@ -3652,13 +3650,7 @@
       </p:grpSpPr>
       <p:pic>
         <p:nvPicPr>
-          <p:cNvPr id="5" name="Image 4">
-            <a:extLst>
-              <a:ext uri="{FF2B5EF4-FFF2-40B4-BE49-F238E27FC236}">
-                <a16:creationId xmlns:a16="http://schemas.microsoft.com/office/drawing/2014/main" xmlns="" id="{CE2AE150-9A2A-435A-8EB6-F64A91B195A7}"/>
-              </a:ext>
-            </a:extLst>
-          </p:cNvPr>
+          <p:cNvPr id="2" name="Image 1"/>
           <p:cNvPicPr>
             <a:picLocks noChangeAspect="1"/>
           </p:cNvPicPr>
@@ -3701,14 +3693,14 @@
           <p:nvPr>
             <p:extLst>
               <p:ext uri="{D42A27DB-BD31-4B8C-83A1-F6EECF244321}">
-                <p14:modId xmlns:p14="http://schemas.microsoft.com/office/powerpoint/2010/main" val="4209918724"/>
+                <p14:modId xmlns:p14="http://schemas.microsoft.com/office/powerpoint/2010/main" val="438992194"/>
               </p:ext>
             </p:extLst>
           </p:nvPr>
         </p:nvGraphicFramePr>
         <p:xfrm>
           <a:off x="158921" y="1918008"/>
-          <a:ext cx="10956022" cy="4189169"/>
+          <a:ext cx="10956022" cy="3776836"/>
         </p:xfrm>
         <a:graphic>
           <a:graphicData uri="http://schemas.openxmlformats.org/drawingml/2006/table">
@@ -3934,7 +3926,7 @@
                           <a:ea typeface="+mn-ea"/>
                           <a:cs typeface="+mn-cs"/>
                         </a:rPr>
-                        <a:t>Création d’un jeu de donnée à importer dans la base de données local</a:t>
+                        <a:t>Création d’un jeu de données à importer dans la base de données locale</a:t>
                       </a:r>
                       <a:endParaRPr lang="fr-FR" dirty="0"/>
                     </a:p>
@@ -3958,61 +3950,7 @@
                         <a:rPr lang="fr-FR" b="1" dirty="0"/>
                         <a:t>5</a:t>
                       </a:r>
-                    </a:p>
-                  </a:txBody>
-                  <a:tcPr/>
-                </a:tc>
-                <a:tc>
-                  <a:txBody>
-                    <a:bodyPr/>
-                    <a:lstStyle/>
-                    <a:p>
-                      <a:r>
-                        <a:rPr lang="fr-FR" sz="1800" kern="1200" dirty="0" smtClean="0">
-                          <a:solidFill>
-                            <a:schemeClr val="dk1"/>
-                          </a:solidFill>
-                          <a:effectLst/>
-                          <a:latin typeface="+mn-lt"/>
-                          <a:ea typeface="+mn-ea"/>
-                          <a:cs typeface="+mn-cs"/>
-                        </a:rPr>
-                        <a:t>Utilisation de </a:t>
-                      </a:r>
-                      <a:r>
-                        <a:rPr lang="fr-FR" sz="1800" kern="1200" dirty="0" err="1" smtClean="0">
-                          <a:solidFill>
-                            <a:schemeClr val="dk1"/>
-                          </a:solidFill>
-                          <a:effectLst/>
-                          <a:latin typeface="+mn-lt"/>
-                          <a:ea typeface="+mn-ea"/>
-                          <a:cs typeface="+mn-cs"/>
-                        </a:rPr>
-                        <a:t>configparser</a:t>
-                      </a:r>
-                      <a:endParaRPr lang="fr-FR" dirty="0"/>
-                    </a:p>
-                  </a:txBody>
-                  <a:tcPr/>
-                </a:tc>
-                <a:extLst>
-                  <a:ext uri="{0D108BD9-81ED-4DB2-BD59-A6C34878D82A}">
-                    <a16:rowId xmlns:a16="http://schemas.microsoft.com/office/drawing/2014/main" xmlns="" val="1889415548"/>
-                  </a:ext>
-                </a:extLst>
-              </a:tr>
-              <a:tr h="412333">
-                <a:tc>
-                  <a:txBody>
-                    <a:bodyPr/>
-                    <a:lstStyle/>
-                    <a:p>
-                      <a:pPr algn="ctr"/>
-                      <a:r>
-                        <a:rPr lang="fr-FR" b="1" dirty="0"/>
-                        <a:t>6</a:t>
-                      </a:r>
+                      <a:endParaRPr lang="fr-FR" b="1" dirty="0"/>
                     </a:p>
                   </a:txBody>
                   <a:tcPr/>
@@ -4054,8 +3992,9 @@
                       <a:pPr algn="ctr"/>
                       <a:r>
                         <a:rPr lang="fr-FR" b="1" dirty="0"/>
-                        <a:t>7</a:t>
-                      </a:r>
+                        <a:t>6</a:t>
+                      </a:r>
+                      <a:endParaRPr lang="fr-FR" b="1" dirty="0"/>
                     </a:p>
                   </a:txBody>
                   <a:tcPr/>
@@ -4109,8 +4048,9 @@
                       <a:pPr algn="ctr"/>
                       <a:r>
                         <a:rPr lang="fr-FR" b="1" dirty="0"/>
-                        <a:t>8</a:t>
-                      </a:r>
+                        <a:t>7</a:t>
+                      </a:r>
+                      <a:endParaRPr lang="fr-FR" b="1" dirty="0"/>
                     </a:p>
                   </a:txBody>
                   <a:tcPr/>
@@ -4130,7 +4070,7 @@
                           <a:ea typeface="+mn-ea"/>
                           <a:cs typeface="+mn-cs"/>
                         </a:rPr>
-                        <a:t>Remplissage de la base avec le jeu de donnée créé</a:t>
+                        <a:t>Remplissage de la base avec le jeu de données créé</a:t>
                       </a:r>
                     </a:p>
                   </a:txBody>
@@ -4151,7 +4091,7 @@
                       <a:pPr algn="ctr"/>
                       <a:r>
                         <a:rPr lang="fr-FR" b="1" dirty="0" smtClean="0"/>
-                        <a:t>9</a:t>
+                        <a:t>8</a:t>
                       </a:r>
                       <a:endParaRPr lang="fr-FR" b="1" dirty="0"/>
                     </a:p>
@@ -4318,13 +4258,7 @@
       </p:grpSpPr>
       <p:pic>
         <p:nvPicPr>
-          <p:cNvPr id="5" name="Image 4">
-            <a:extLst>
-              <a:ext uri="{FF2B5EF4-FFF2-40B4-BE49-F238E27FC236}">
-                <a16:creationId xmlns:a16="http://schemas.microsoft.com/office/drawing/2014/main" xmlns="" id="{BEEC912A-EC87-4A2D-96F2-7D4E95975EF0}"/>
-              </a:ext>
-            </a:extLst>
-          </p:cNvPr>
+          <p:cNvPr id="2" name="Image 1"/>
           <p:cNvPicPr>
             <a:picLocks noChangeAspect="1"/>
           </p:cNvPicPr>
@@ -4344,7 +4278,7 @@
         </p:blipFill>
         <p:spPr>
           <a:xfrm>
-            <a:off x="0" y="8389"/>
+            <a:off x="0" y="0"/>
             <a:ext cx="12192000" cy="6858000"/>
           </a:xfrm>
           <a:prstGeom prst="rect">
@@ -4451,7 +4385,7 @@
           <p:nvPr>
             <p:extLst>
               <p:ext uri="{D42A27DB-BD31-4B8C-83A1-F6EECF244321}">
-                <p14:modId xmlns:p14="http://schemas.microsoft.com/office/powerpoint/2010/main" val="4146567216"/>
+                <p14:modId xmlns:p14="http://schemas.microsoft.com/office/powerpoint/2010/main" val="2037180132"/>
               </p:ext>
             </p:extLst>
           </p:nvPr>
@@ -4508,7 +4442,7 @@
                       </a:r>
                       <a:r>
                         <a:rPr lang="fr-FR" baseline="0" dirty="0" smtClean="0"/>
-                        <a:t> de la base de donnée</a:t>
+                        <a:t> de la base de données</a:t>
                       </a:r>
                       <a:endParaRPr lang="fr-FR" dirty="0"/>
                     </a:p>
@@ -4629,7 +4563,7 @@
           <p:nvPr>
             <p:extLst>
               <p:ext uri="{D42A27DB-BD31-4B8C-83A1-F6EECF244321}">
-                <p14:modId xmlns:p14="http://schemas.microsoft.com/office/powerpoint/2010/main" val="2798487927"/>
+                <p14:modId xmlns:p14="http://schemas.microsoft.com/office/powerpoint/2010/main" val="1245348697"/>
               </p:ext>
             </p:extLst>
           </p:nvPr>
@@ -4828,7 +4762,7 @@
                       </a:r>
                       <a:r>
                         <a:rPr lang="fr-FR" sz="1800" baseline="0" dirty="0" smtClean="0"/>
-                        <a:t> créer l’objet connexion avec la base de donnée</a:t>
+                        <a:t> créer l’objet connexion avec la base de données</a:t>
                       </a:r>
                       <a:endParaRPr lang="fr-FR" sz="1800" dirty="0"/>
                     </a:p>
@@ -5125,31 +5059,7 @@
                           <a:ea typeface="+mn-ea"/>
                           <a:cs typeface="+mn-cs"/>
                         </a:rPr>
-                        <a:t> informations </a:t>
-                      </a:r>
-                      <a:r>
-                        <a:rPr lang="fr-FR" sz="1800" kern="1200" baseline="0" dirty="0" err="1" smtClean="0">
-                          <a:solidFill>
-                            <a:schemeClr val="dk1"/>
-                          </a:solidFill>
-                          <a:effectLst/>
-                          <a:latin typeface="+mn-lt"/>
-                          <a:ea typeface="+mn-ea"/>
-                          <a:cs typeface="+mn-cs"/>
-                        </a:rPr>
-                        <a:t>éssentielles</a:t>
-                      </a:r>
-                      <a:r>
-                        <a:rPr lang="fr-FR" sz="1800" kern="1200" baseline="0" dirty="0" smtClean="0">
-                          <a:solidFill>
-                            <a:schemeClr val="dk1"/>
-                          </a:solidFill>
-                          <a:effectLst/>
-                          <a:latin typeface="+mn-lt"/>
-                          <a:ea typeface="+mn-ea"/>
-                          <a:cs typeface="+mn-cs"/>
-                        </a:rPr>
-                        <a:t> du programme</a:t>
+                        <a:t> informations essentielles du programme</a:t>
                       </a:r>
                       <a:endParaRPr lang="fr-FR" dirty="0"/>
                     </a:p>
@@ -5220,7 +5130,7 @@
                       </a:r>
                       <a:r>
                         <a:rPr lang="fr-FR" baseline="0" dirty="0" smtClean="0"/>
-                        <a:t> le script créant les tables de la base de donnée</a:t>
+                        <a:t> le script créant les tables de la base de données</a:t>
                       </a:r>
                       <a:endParaRPr lang="fr-FR" dirty="0"/>
                     </a:p>
@@ -5276,13 +5186,7 @@
       </p:grpSpPr>
       <p:pic>
         <p:nvPicPr>
-          <p:cNvPr id="5" name="Image 4">
-            <a:extLst>
-              <a:ext uri="{FF2B5EF4-FFF2-40B4-BE49-F238E27FC236}">
-                <a16:creationId xmlns:a16="http://schemas.microsoft.com/office/drawing/2014/main" xmlns="" id="{82275658-FCBD-45F3-A636-08745D1A07DE}"/>
-              </a:ext>
-            </a:extLst>
-          </p:cNvPr>
+          <p:cNvPr id="2" name="Image 1"/>
           <p:cNvPicPr>
             <a:picLocks noChangeAspect="1"/>
           </p:cNvPicPr>
@@ -5403,7 +5307,7 @@
             </a:r>
             <a:r>
               <a:rPr lang="fr-FR" sz="1400" dirty="0" smtClean="0"/>
-              <a:t>Etablir un schéma relationnel : Définition de chaque champs, définir les différentes clés, pensée aux différentes relations entre les tables</a:t>
+              <a:t>Etablir un schéma relationnel : Définition de chaque champ, définir les différentes clés, penser aux différentes relations entre les tables</a:t>
             </a:r>
           </a:p>
           <a:p>
@@ -5423,7 +5327,7 @@
           <a:p>
             <a:r>
               <a:rPr lang="fr-FR" sz="1400" dirty="0" smtClean="0"/>
-              <a:t>        - Intégrer le jeu de donnée dans la base : Création des requêtes à partir d’un dictionnaire</a:t>
+              <a:t>        - Intégrer le jeu de données dans la base : Création des requêtes à partir d’un dictionnaire</a:t>
             </a:r>
           </a:p>
           <a:p>
@@ -5442,7 +5346,7 @@
           <a:p>
             <a:r>
               <a:rPr lang="fr-FR" sz="1400" dirty="0" smtClean="0"/>
-              <a:t>        - Création de classe permettant de gérer chaque partie du programme : l’affichage, la base de donnée, les requêtes API</a:t>
+              <a:t>        - Création de classe permettant de gérer chaque partie du programme : l’affichage, la base de données, les requêtes API</a:t>
             </a:r>
           </a:p>
           <a:p>
@@ -5475,7 +5379,7 @@
           <a:p>
             <a:r>
               <a:rPr lang="fr-FR" sz="1400" dirty="0" smtClean="0"/>
-              <a:t>        - Beaucoup de donnée alourdissant le code, donnée sensible gênant à la bonne compréhension du code</a:t>
+              <a:t>        - Beaucoup de données alourdissant le code, données sensibles gênant la bonne compréhension du code</a:t>
             </a:r>
           </a:p>
           <a:p>
@@ -5493,7 +5397,7 @@
             </a:r>
             <a:r>
               <a:rPr lang="fr-FR" sz="1400" dirty="0" smtClean="0"/>
-              <a:t> »  pour ramener des données utile au programme, tel que les codes de connexion (user, host…)</a:t>
+              <a:t> »  pour ramener des données utiles au programme, tels que les codes de connexion (user, host…)</a:t>
             </a:r>
           </a:p>
           <a:p>
@@ -5540,7 +5444,7 @@
           <a:p>
             <a:r>
               <a:rPr lang="fr-FR" sz="1400" dirty="0" smtClean="0"/>
-              <a:t>        - Sélection d’un jeu de donnée utilisable pour le projet</a:t>
+              <a:t>        - Sélection d’un jeu de données utilisable pour le projet</a:t>
             </a:r>
             <a:endParaRPr lang="fr-FR" sz="1400" dirty="0"/>
           </a:p>
@@ -5591,22 +5495,28 @@
       </p:grpSpPr>
       <p:pic>
         <p:nvPicPr>
-          <p:cNvPr id="3" name="Image 2"/>
+          <p:cNvPr id="12" name="Image 11"/>
           <p:cNvPicPr>
             <a:picLocks noChangeAspect="1"/>
           </p:cNvPicPr>
           <p:nvPr/>
         </p:nvPicPr>
         <p:blipFill>
-          <a:blip r:embed="rId2"/>
+          <a:blip r:embed="rId2" cstate="print">
+            <a:extLst>
+              <a:ext uri="{28A0092B-C50C-407E-A947-70E740481C1C}">
+                <a14:useLocalDpi xmlns:a14="http://schemas.microsoft.com/office/drawing/2010/main" val="0"/>
+              </a:ext>
+            </a:extLst>
+          </a:blip>
           <a:stretch>
             <a:fillRect/>
           </a:stretch>
         </p:blipFill>
         <p:spPr>
           <a:xfrm>
-            <a:off x="-529" y="-297"/>
-            <a:ext cx="12193057" cy="6858594"/>
+            <a:off x="0" y="0"/>
+            <a:ext cx="12192000" cy="6858000"/>
           </a:xfrm>
           <a:prstGeom prst="rect">
             <a:avLst/>
@@ -5643,7 +5553,7 @@
           <a:p>
             <a:r>
               <a:rPr lang="fr-FR" sz="1400" dirty="0" smtClean="0"/>
-              <a:t>Création du modèle relationnel de notre base de donnée</a:t>
+              <a:t>Création du modèle relationnel de notre base de données</a:t>
             </a:r>
           </a:p>
           <a:p>
@@ -5740,7 +5650,7 @@
             <a:pPr lvl="1"/>
             <a:r>
               <a:rPr lang="fr-FR" sz="1400" dirty="0" smtClean="0"/>
-              <a:t>Des clés secondaires ont été misent dans les tables de jointures pour éviter toutes suppression malencontreuse.</a:t>
+              <a:t>Des clés secondaires ont été mises dans les tables de jointures pour éviter toute suppression malencontreuse.</a:t>
             </a:r>
           </a:p>
           <a:p>
@@ -5804,7 +5714,7 @@
       </p:sp>
       <p:pic>
         <p:nvPicPr>
-          <p:cNvPr id="2" name="Image 1"/>
+          <p:cNvPr id="4" name="Image 3"/>
           <p:cNvPicPr>
             <a:picLocks noChangeAspect="1"/>
           </p:cNvPicPr>
@@ -5824,8 +5734,8 @@
         </p:blipFill>
         <p:spPr>
           <a:xfrm>
-            <a:off x="0" y="1690315"/>
-            <a:ext cx="7970378" cy="4398638"/>
+            <a:off x="198268" y="1736769"/>
+            <a:ext cx="7663864" cy="4229481"/>
           </a:xfrm>
           <a:prstGeom prst="rect">
             <a:avLst/>
@@ -5871,13 +5781,7 @@
       </p:grpSpPr>
       <p:pic>
         <p:nvPicPr>
-          <p:cNvPr id="5" name="Image 4">
-            <a:extLst>
-              <a:ext uri="{FF2B5EF4-FFF2-40B4-BE49-F238E27FC236}">
-                <a16:creationId xmlns:a16="http://schemas.microsoft.com/office/drawing/2014/main" xmlns="" id="{F4CE69E4-0B1D-48B3-9E30-0C2194F6E98B}"/>
-              </a:ext>
-            </a:extLst>
-          </p:cNvPr>
+          <p:cNvPr id="2" name="Image 1"/>
           <p:cNvPicPr>
             <a:picLocks noChangeAspect="1"/>
           </p:cNvPicPr>
@@ -5969,7 +5873,7 @@
           <p:nvPr>
             <p:extLst>
               <p:ext uri="{D42A27DB-BD31-4B8C-83A1-F6EECF244321}">
-                <p14:modId xmlns:p14="http://schemas.microsoft.com/office/powerpoint/2010/main" val="4096791004"/>
+                <p14:modId xmlns:p14="http://schemas.microsoft.com/office/powerpoint/2010/main" val="85886374"/>
               </p:ext>
             </p:extLst>
           </p:nvPr>
@@ -6075,7 +5979,7 @@
                       </a:r>
                       <a:r>
                         <a:rPr lang="fr-FR" i="1" dirty="0" smtClean="0"/>
-                        <a:t>__ dans chaque classes, permettant</a:t>
+                        <a:t>__ dans chaque classe, permettant</a:t>
                       </a:r>
                       <a:r>
                         <a:rPr lang="fr-FR" i="1" baseline="0" dirty="0" smtClean="0"/>
@@ -6122,7 +6026,7 @@
                       </a:r>
                       <a:r>
                         <a:rPr lang="fr-FR" baseline="0" dirty="0" smtClean="0"/>
-                        <a:t> avons sélectionner 5 catégories d’aliment, puis nous avons récupérer qu’un nombre restreint de champs pour le programme. Ce qui nous intéressait était : Nom, les valeurs énergétiques, le </a:t>
+                        <a:t> avons sélectionné 5 catégories d’aliments, puis nous avons récupéré qu’un nombre restreint de champs pour le programme. Ce qui nous intéressait était : Nom, les valeurs énergétiques, le </a:t>
                       </a:r>
                       <a:r>
                         <a:rPr lang="fr-FR" baseline="0" dirty="0" err="1" smtClean="0"/>
@@ -6144,7 +6048,7 @@
                     <a:p>
                       <a:r>
                         <a:rPr lang="fr-FR" baseline="0" dirty="0" smtClean="0"/>
-                        <a:t>Création d’un dictionnaire de produit qui serra réintégrer dans la base de donnée local.</a:t>
+                        <a:t>Création d’un dictionnaire de produits qui sera réintégré dans la base de données locale.</a:t>
                       </a:r>
                       <a:endParaRPr lang="fr-FR" dirty="0"/>
                     </a:p>
@@ -6191,15 +6095,7 @@
                       </a:r>
                       <a:r>
                         <a:rPr lang="fr-FR" baseline="0" dirty="0" smtClean="0"/>
-                        <a:t> et les </a:t>
-                      </a:r>
-                      <a:r>
-                        <a:rPr lang="fr-FR" baseline="0" dirty="0" err="1" smtClean="0"/>
-                        <a:t>reutiliser</a:t>
-                      </a:r>
-                      <a:r>
-                        <a:rPr lang="fr-FR" baseline="0" dirty="0" smtClean="0"/>
-                        <a:t>.</a:t>
+                        <a:t> et les réutiliser.</a:t>
                       </a:r>
                       <a:endParaRPr lang="fr-FR" dirty="0"/>
                     </a:p>
@@ -6250,13 +6146,7 @@
       </p:grpSpPr>
       <p:pic>
         <p:nvPicPr>
-          <p:cNvPr id="9" name="Image 8">
-            <a:extLst>
-              <a:ext uri="{FF2B5EF4-FFF2-40B4-BE49-F238E27FC236}">
-                <a16:creationId xmlns:a16="http://schemas.microsoft.com/office/drawing/2014/main" xmlns="" id="{F4CE69E4-0B1D-48B3-9E30-0C2194F6E98B}"/>
-              </a:ext>
-            </a:extLst>
-          </p:cNvPr>
+          <p:cNvPr id="5" name="Image 4"/>
           <p:cNvPicPr>
             <a:picLocks noChangeAspect="1"/>
           </p:cNvPicPr>
@@ -6485,15 +6375,7 @@
             </a:r>
             <a:r>
               <a:rPr lang="fr-FR" dirty="0" smtClean="0"/>
-              <a:t> »  permet de vérifier qu’une réponse est autorisée. Une fois la réponse fournis, cette dernière est renvoyé pour la suite de l’</a:t>
-            </a:r>
-            <a:r>
-              <a:rPr lang="fr-FR" dirty="0" err="1" smtClean="0"/>
-              <a:t>execution</a:t>
-            </a:r>
-            <a:r>
-              <a:rPr lang="fr-FR" dirty="0" smtClean="0"/>
-              <a:t> du programme.</a:t>
+              <a:t> »  permet de vérifier qu’une réponse est autorisée. Une fois la réponse fournie, cette dernière est renvoyée pour la suite de l’exécution du programme.</a:t>
             </a:r>
             <a:endParaRPr lang="fr-FR" dirty="0" smtClean="0"/>
           </a:p>
@@ -6601,7 +6483,7 @@
             </a:r>
             <a:r>
               <a:rPr lang="fr-FR" dirty="0" smtClean="0"/>
-              <a:t>. Cette classe permet de former des requêtes avec l’API, mais elle possède aussi des fonctions gérant le tris des données et la constructions d’un dictionnaire de produit en vu d’une intégration dans la base de donnée local.  </a:t>
+              <a:t>. Cette classe permet de former des requêtes avec l’API, mais elle possède aussi des fonctions gérant le tri des données et la construction d’un dictionnaire de produits en vu d’une intégration dans la base de données locale.  </a:t>
             </a:r>
             <a:endParaRPr lang="fr-FR" dirty="0" smtClean="0"/>
           </a:p>
@@ -6646,13 +6528,7 @@
       </p:grpSpPr>
       <p:pic>
         <p:nvPicPr>
-          <p:cNvPr id="9" name="Image 8">
-            <a:extLst>
-              <a:ext uri="{FF2B5EF4-FFF2-40B4-BE49-F238E27FC236}">
-                <a16:creationId xmlns:a16="http://schemas.microsoft.com/office/drawing/2014/main" xmlns="" id="{F4CE69E4-0B1D-48B3-9E30-0C2194F6E98B}"/>
-              </a:ext>
-            </a:extLst>
-          </p:cNvPr>
+          <p:cNvPr id="5" name="Image 4"/>
           <p:cNvPicPr>
             <a:picLocks noChangeAspect="1"/>
           </p:cNvPicPr>
@@ -6873,7 +6749,7 @@
           <a:p>
             <a:r>
               <a:rPr lang="fr-FR" dirty="0" smtClean="0"/>
-              <a:t>Le constructeur est appelé pour créer l’objet connexion, lors de son initialisation la connexion avec la base de donnée est vérifié puis les informations de connexion sont listé. A chaque fois qu’une requête SQL doit être utilisé l’objet est interpellé. Une fonction permet d’interpellé le script </a:t>
+              <a:t>Le constructeur est appelé pour créer l’objet connexion. Lors de son initialisation la connexion avec la base de données est vérifiée puis les informations de connexion sont listées. A chaque fois qu’une requête SQL doit être utilisée, l’objet est interpellé. Une fonction permet d’interpeller le script </a:t>
             </a:r>
             <a:r>
               <a:rPr lang="fr-FR" dirty="0" err="1" smtClean="0"/>
@@ -6881,7 +6757,7 @@
             </a:r>
             <a:r>
               <a:rPr lang="fr-FR" dirty="0" smtClean="0"/>
-              <a:t> pour générer l’architecture de la base de donnée.</a:t>
+              <a:t> pour générer l’architecture de la base de données.</a:t>
             </a:r>
             <a:endParaRPr lang="fr-FR" dirty="0" smtClean="0"/>
           </a:p>
@@ -6988,7 +6864,7 @@
           <a:p>
             <a:r>
               <a:rPr lang="fr-FR" dirty="0" smtClean="0"/>
-              <a:t>Une boucle relance l’information de départ tant que l’utilisateur n’a pas sélectionné « quitter ». Le programme se clos quand un soucis est remonté et se termine en montrant l’erreur.</a:t>
+              <a:t>Une boucle relance l’information de départ tant que l’utilisateur n’a pas sélectionné « quitter ». Le programme se clôt quand un souci est remonté et se termine en montrant l’erreur.</a:t>
             </a:r>
             <a:endParaRPr lang="fr-FR" dirty="0" smtClean="0"/>
           </a:p>
@@ -7033,13 +6909,7 @@
       </p:grpSpPr>
       <p:pic>
         <p:nvPicPr>
-          <p:cNvPr id="5" name="Image 4">
-            <a:extLst>
-              <a:ext uri="{FF2B5EF4-FFF2-40B4-BE49-F238E27FC236}">
-                <a16:creationId xmlns:a16="http://schemas.microsoft.com/office/drawing/2014/main" xmlns="" id="{F4CE69E4-0B1D-48B3-9E30-0C2194F6E98B}"/>
-              </a:ext>
-            </a:extLst>
-          </p:cNvPr>
+          <p:cNvPr id="2" name="Image 1"/>
           <p:cNvPicPr>
             <a:picLocks noChangeAspect="1"/>
           </p:cNvPicPr>
